--- a/Zwischenpräsentation/Zwischenstand.pptx
+++ b/Zwischenpräsentation/Zwischenstand.pptx
@@ -17,8 +17,8 @@
     <p:sldId id="270" r:id="rId5"/>
     <p:sldId id="269" r:id="rId6"/>
     <p:sldId id="271" r:id="rId7"/>
-    <p:sldId id="266" r:id="rId8"/>
-    <p:sldId id="267" r:id="rId9"/>
+    <p:sldId id="272" r:id="rId8"/>
+    <p:sldId id="273" r:id="rId9"/>
   </p:sldIdLst>
   <p:sldSz cx="9144000" cy="6858000" type="screen4x3"/>
   <p:notesSz cx="6858000" cy="9144000"/>
@@ -2835,7 +2835,6 @@
               <a:rPr lang="de-DE" noProof="0" smtClean="0"/>
               <a:t>Bild durch Klicken auf Symbol hinzufügen</a:t>
             </a:r>
-            <a:endParaRPr lang="de-DE" noProof="0" smtClean="0"/>
           </a:p>
         </p:txBody>
       </p:sp>
@@ -4048,7 +4047,6 @@
               <a:rPr lang="de-DE" dirty="0" smtClean="0"/>
               <a:t>Gliederung</a:t>
             </a:r>
-            <a:endParaRPr lang="de-DE" dirty="0" smtClean="0"/>
           </a:p>
         </p:txBody>
       </p:sp>
@@ -4112,9 +4110,22 @@
           <a:p>
             <a:pPr lvl="1"/>
             <a:r>
-              <a:rPr lang="de-DE" dirty="0"/>
+              <a:rPr lang="de-DE" dirty="0" smtClean="0"/>
               <a:t>Zahlen</a:t>
             </a:r>
+          </a:p>
+          <a:p>
+            <a:pPr marL="394575" lvl="1" indent="0">
+              <a:buNone/>
+            </a:pPr>
+            <a:endParaRPr lang="de-DE" dirty="0" smtClean="0"/>
+          </a:p>
+          <a:p>
+            <a:r>
+              <a:rPr lang="de-DE" dirty="0" smtClean="0"/>
+              <a:t>Ausblick</a:t>
+            </a:r>
+            <a:endParaRPr lang="de-DE" dirty="0"/>
           </a:p>
           <a:p>
             <a:pPr marL="0" indent="0" eaLnBrk="1" hangingPunct="1">
@@ -5268,33 +5279,7 @@
       </p:grpSpPr>
       <p:sp>
         <p:nvSpPr>
-          <p:cNvPr id="4098" name="Rectangle 12"/>
-          <p:cNvSpPr>
-            <a:spLocks noGrp="1" noChangeArrowheads="1"/>
-          </p:cNvSpPr>
-          <p:nvPr>
-            <p:ph type="ftr" sz="quarter" idx="10"/>
-          </p:nvPr>
-        </p:nvSpPr>
-        <p:spPr>
-          <a:noFill/>
-        </p:spPr>
-        <p:txBody>
-          <a:bodyPr/>
-          <a:lstStyle/>
-          <a:p>
-            <a:r>
-              <a:rPr lang="en-US" smtClean="0">
-                <a:latin typeface="Arial" charset="0"/>
-              </a:rPr>
-              <a:t>Prof. Max Mustermann - Title</a:t>
-            </a:r>
-          </a:p>
-        </p:txBody>
-      </p:sp>
-      <p:sp>
-        <p:nvSpPr>
-          <p:cNvPr id="4099" name="Rectangle 2"/>
+          <p:cNvPr id="49154" name="Rechteck 2"/>
           <p:cNvSpPr>
             <a:spLocks noGrp="1" noChangeArrowheads="1"/>
           </p:cNvSpPr>
@@ -5307,18 +5292,17 @@
           <a:bodyPr/>
           <a:lstStyle/>
           <a:p>
-            <a:pPr eaLnBrk="1" hangingPunct="1"/>
             <a:r>
               <a:rPr lang="de-DE" dirty="0" err="1" smtClean="0"/>
               <a:t>Klassifizierer</a:t>
             </a:r>
-            <a:endParaRPr lang="de-DE" dirty="0" smtClean="0"/>
-          </a:p>
-        </p:txBody>
-      </p:sp>
-      <p:sp>
-        <p:nvSpPr>
-          <p:cNvPr id="4100" name="Rectangle 3"/>
+            <a:endParaRPr lang="de-DE" dirty="0"/>
+          </a:p>
+        </p:txBody>
+      </p:sp>
+      <p:sp>
+        <p:nvSpPr>
+          <p:cNvPr id="49155" name="Rechteck 3"/>
           <p:cNvSpPr>
             <a:spLocks noGrp="1" noChangeArrowheads="1"/>
           </p:cNvSpPr>
@@ -5326,44 +5310,47 @@
             <p:ph type="body" idx="1"/>
           </p:nvPr>
         </p:nvSpPr>
-        <p:spPr>
-          <a:xfrm>
-            <a:off x="392113" y="1198563"/>
-            <a:ext cx="8356600" cy="4894229"/>
-          </a:xfrm>
-        </p:spPr>
+        <p:spPr/>
         <p:txBody>
           <a:bodyPr/>
           <a:lstStyle/>
           <a:p>
-            <a:pPr eaLnBrk="1" hangingPunct="1"/>
+            <a:r>
+              <a:rPr lang="de-DE" dirty="0"/>
+              <a:t>C 5.0</a:t>
+            </a:r>
+          </a:p>
+          <a:p>
+            <a:pPr lvl="1"/>
+            <a:r>
+              <a:rPr lang="de-DE" dirty="0"/>
+              <a:t>Testdaten == Trainingsdaten</a:t>
+            </a:r>
+          </a:p>
+          <a:p>
+            <a:pPr lvl="2"/>
+            <a:r>
+              <a:rPr lang="de-DE" dirty="0"/>
+              <a:t>Score: ca.11000</a:t>
+            </a:r>
+          </a:p>
+          <a:p>
+            <a:pPr lvl="1"/>
+            <a:r>
+              <a:rPr lang="de-DE" dirty="0"/>
+              <a:t>Partitionierung der Daten 90/10 in Trainings-/</a:t>
+            </a:r>
             <a:r>
               <a:rPr lang="de-DE" dirty="0" smtClean="0"/>
-              <a:t>C 5.0</a:t>
-            </a:r>
-          </a:p>
-          <a:p>
-            <a:pPr lvl="1"/>
+              <a:t>Testdaten</a:t>
+            </a:r>
+          </a:p>
+          <a:p>
+            <a:pPr lvl="2"/>
             <a:r>
               <a:rPr lang="de-DE" dirty="0" smtClean="0"/>
-              <a:t>Testdaten == Trainingsdaten</a:t>
-            </a:r>
-          </a:p>
-          <a:p>
-            <a:pPr lvl="1"/>
-            <a:r>
-              <a:rPr lang="de-DE" dirty="0" smtClean="0"/>
-              <a:t>Partitionierung der Daten 90/10 in Trainings-/Testdaten</a:t>
-            </a:r>
-          </a:p>
-          <a:p>
-            <a:r>
-              <a:rPr lang="de-DE" dirty="0" smtClean="0"/>
-              <a:t>Zahlen:</a:t>
-            </a:r>
-          </a:p>
-          <a:p>
-            <a:pPr lvl="1"/>
+              <a:t>Score: ca. 13500</a:t>
+            </a:r>
             <a:endParaRPr lang="de-DE" dirty="0"/>
           </a:p>
         </p:txBody>
@@ -5371,7 +5358,7 @@
     </p:spTree>
     <p:extLst>
       <p:ext uri="{BB962C8B-B14F-4D97-AF65-F5344CB8AC3E}">
-        <p14:creationId xmlns:p14="http://schemas.microsoft.com/office/powerpoint/2010/main" val="3575426323"/>
+        <p14:creationId xmlns:p14="http://schemas.microsoft.com/office/powerpoint/2010/main" val="2291763174"/>
       </p:ext>
     </p:extLst>
   </p:cSld>
@@ -5407,33 +5394,7 @@
       </p:grpSpPr>
       <p:sp>
         <p:nvSpPr>
-          <p:cNvPr id="4098" name="Rectangle 12"/>
-          <p:cNvSpPr>
-            <a:spLocks noGrp="1" noChangeArrowheads="1"/>
-          </p:cNvSpPr>
-          <p:nvPr>
-            <p:ph type="ftr" sz="quarter" idx="10"/>
-          </p:nvPr>
-        </p:nvSpPr>
-        <p:spPr>
-          <a:noFill/>
-        </p:spPr>
-        <p:txBody>
-          <a:bodyPr/>
-          <a:lstStyle/>
-          <a:p>
-            <a:r>
-              <a:rPr lang="en-US" smtClean="0">
-                <a:latin typeface="Arial" charset="0"/>
-              </a:rPr>
-              <a:t>Prof. Max Mustermann - Title</a:t>
-            </a:r>
-          </a:p>
-        </p:txBody>
-      </p:sp>
-      <p:sp>
-        <p:nvSpPr>
-          <p:cNvPr id="4099" name="Rectangle 2"/>
+          <p:cNvPr id="49154" name="Rechteck 2"/>
           <p:cNvSpPr>
             <a:spLocks noGrp="1" noChangeArrowheads="1"/>
           </p:cNvSpPr>
@@ -5446,14 +5407,17 @@
           <a:bodyPr/>
           <a:lstStyle/>
           <a:p>
-            <a:pPr eaLnBrk="1" hangingPunct="1"/>
-            <a:endParaRPr lang="de-DE" dirty="0" smtClean="0"/>
-          </a:p>
-        </p:txBody>
-      </p:sp>
-      <p:sp>
-        <p:nvSpPr>
-          <p:cNvPr id="4100" name="Rectangle 3"/>
+            <a:r>
+              <a:rPr lang="de-DE" dirty="0" smtClean="0"/>
+              <a:t>Ausblick</a:t>
+            </a:r>
+            <a:endParaRPr lang="de-DE" dirty="0"/>
+          </a:p>
+        </p:txBody>
+      </p:sp>
+      <p:sp>
+        <p:nvSpPr>
+          <p:cNvPr id="49155" name="Rechteck 3"/>
           <p:cNvSpPr>
             <a:spLocks noGrp="1" noChangeArrowheads="1"/>
           </p:cNvSpPr>
@@ -5461,25 +5425,37 @@
             <p:ph type="body" idx="1"/>
           </p:nvPr>
         </p:nvSpPr>
-        <p:spPr>
-          <a:xfrm>
-            <a:off x="392113" y="1198563"/>
-            <a:ext cx="8356600" cy="4894229"/>
-          </a:xfrm>
-        </p:spPr>
+        <p:spPr/>
         <p:txBody>
           <a:bodyPr/>
           <a:lstStyle/>
           <a:p>
-            <a:pPr eaLnBrk="1" hangingPunct="1"/>
-            <a:endParaRPr lang="de-DE" dirty="0" smtClean="0"/>
+            <a:r>
+              <a:rPr lang="de-DE" dirty="0" smtClean="0"/>
+              <a:t>Zusammenführen der Einzelprojekte</a:t>
+            </a:r>
+          </a:p>
+          <a:p>
+            <a:r>
+              <a:rPr lang="de-DE" dirty="0" smtClean="0"/>
+              <a:t>Weitere </a:t>
+            </a:r>
+            <a:r>
+              <a:rPr lang="de-DE" dirty="0" err="1" smtClean="0"/>
+              <a:t>Klassifizierer</a:t>
+            </a:r>
+            <a:r>
+              <a:rPr lang="de-DE" smtClean="0"/>
+              <a:t> testen</a:t>
+            </a:r>
+            <a:endParaRPr lang="de-DE" dirty="0"/>
           </a:p>
         </p:txBody>
       </p:sp>
     </p:spTree>
     <p:extLst>
       <p:ext uri="{BB962C8B-B14F-4D97-AF65-F5344CB8AC3E}">
-        <p14:creationId xmlns:p14="http://schemas.microsoft.com/office/powerpoint/2010/main" val="4194522147"/>
+        <p14:creationId xmlns:p14="http://schemas.microsoft.com/office/powerpoint/2010/main" val="28567958"/>
       </p:ext>
     </p:extLst>
   </p:cSld>
